--- a/Homework 2/hw2-pre.pptx
+++ b/Homework 2/hw2-pre.pptx
@@ -5,7 +5,7 @@
     <p:sldMasterId id="2147483678" r:id="rId1"/>
   </p:sldMasterIdLst>
   <p:notesMasterIdLst>
-    <p:notesMasterId r:id="rId9"/>
+    <p:notesMasterId r:id="rId10"/>
   </p:notesMasterIdLst>
   <p:sldIdLst>
     <p:sldId id="256" r:id="rId2"/>
@@ -15,6 +15,7 @@
     <p:sldId id="259" r:id="rId6"/>
     <p:sldId id="262" r:id="rId7"/>
     <p:sldId id="261" r:id="rId8"/>
+    <p:sldId id="263" r:id="rId9"/>
   </p:sldIdLst>
   <p:sldSz cx="12192000" cy="6858000"/>
   <p:notesSz cx="6858000" cy="9144000"/>
@@ -760,7 +761,27 @@
           <a:p>
             <a:r>
               <a:rPr lang="en-US" altLang="zh-CN" dirty="0"/>
-              <a:t>Here’s a peek of the information of our MongoDB database</a:t>
+              <a:t>Here’s a peek of the information of our MongoDB database. …………….. We use MongoDB Compass to interact with the database</a:t>
+            </a:r>
+            <a:r>
+              <a:rPr lang="en-CA" altLang="zh-CN" dirty="0"/>
+              <a:t>.</a:t>
+            </a:r>
+            <a:r>
+              <a:rPr lang="zh-CN" altLang="en-US" dirty="0"/>
+              <a:t> </a:t>
+            </a:r>
+            <a:r>
+              <a:rPr lang="en-CA" altLang="zh-CN" dirty="0"/>
+              <a:t>It</a:t>
+            </a:r>
+            <a:r>
+              <a:rPr lang="zh-CN" altLang="en-US" dirty="0"/>
+              <a:t> </a:t>
+            </a:r>
+            <a:r>
+              <a:rPr lang="en-CA" altLang="zh-CN" dirty="0"/>
+              <a:t>provides a graphical user interface (GUI) so that it will be easier to do the database operations.</a:t>
             </a:r>
             <a:endParaRPr lang="en-CA" dirty="0"/>
           </a:p>
@@ -8706,7 +8727,7 @@
           <a:p>
             <a:r>
               <a:rPr lang="en-CA" dirty="0"/>
-              <a:t>There are tons of movie data in IMDb. We only want to focus on comedy films. We retrieved ~500,000 comedy movies from IMDb to do further analysis.</a:t>
+              <a:t>There are tons of movie data in IMDb. We only want to focus on comedy films. We retrieved ~450,000 comedy movies from IMDb to do further analysis.</a:t>
             </a:r>
           </a:p>
         </p:txBody>
@@ -9310,6 +9331,87 @@
           </a:p>
         </p:txBody>
       </p:sp>
+      <p:sp>
+        <p:nvSpPr>
+          <p:cNvPr id="6" name="Content Placeholder 2">
+            <a:extLst>
+              <a:ext uri="{FF2B5EF4-FFF2-40B4-BE49-F238E27FC236}">
+                <a16:creationId xmlns:a16="http://schemas.microsoft.com/office/drawing/2014/main" id="{D84FFC1A-492F-4787-ADF5-070381D004F3}"/>
+              </a:ext>
+            </a:extLst>
+          </p:cNvPr>
+          <p:cNvSpPr>
+            <a:spLocks noGrp="1"/>
+          </p:cNvSpPr>
+          <p:nvPr>
+            <p:ph idx="1"/>
+          </p:nvPr>
+        </p:nvSpPr>
+        <p:spPr>
+          <a:xfrm>
+            <a:off x="6475015" y="3108960"/>
+            <a:ext cx="5335440" cy="2160709"/>
+          </a:xfrm>
+        </p:spPr>
+        <p:txBody>
+          <a:bodyPr/>
+          <a:lstStyle/>
+          <a:p>
+            <a:r>
+              <a:rPr lang="en-CA" dirty="0"/>
+              <a:t>We use MongoDB to store our data.</a:t>
+            </a:r>
+          </a:p>
+          <a:p>
+            <a:r>
+              <a:rPr lang="en-CA" dirty="0"/>
+              <a:t>The database has ~451,100 movies and the size of them is 526.1 MB.</a:t>
+            </a:r>
+          </a:p>
+          <a:p>
+            <a:r>
+              <a:rPr lang="en-CA" dirty="0"/>
+              <a:t>We use MongoDB Compass to interact with the database.</a:t>
+            </a:r>
+          </a:p>
+        </p:txBody>
+      </p:sp>
+      <p:pic>
+        <p:nvPicPr>
+          <p:cNvPr id="5" name="Picture 4" descr="Graphical user interface, text, application, email&#10;&#10;Description automatically generated">
+            <a:extLst>
+              <a:ext uri="{FF2B5EF4-FFF2-40B4-BE49-F238E27FC236}">
+                <a16:creationId xmlns:a16="http://schemas.microsoft.com/office/drawing/2014/main" id="{4079AFEC-B924-4303-8728-AA5CBD906630}"/>
+              </a:ext>
+            </a:extLst>
+          </p:cNvPr>
+          <p:cNvPicPr>
+            <a:picLocks noChangeAspect="1"/>
+          </p:cNvPicPr>
+          <p:nvPr/>
+        </p:nvPicPr>
+        <p:blipFill>
+          <a:blip r:embed="rId3">
+            <a:extLst>
+              <a:ext uri="{28A0092B-C50C-407E-A947-70E740481C1C}">
+                <a14:useLocalDpi xmlns:a14="http://schemas.microsoft.com/office/drawing/2010/main" val="0"/>
+              </a:ext>
+            </a:extLst>
+          </a:blip>
+          <a:stretch>
+            <a:fillRect/>
+          </a:stretch>
+        </p:blipFill>
+        <p:spPr>
+          <a:xfrm>
+            <a:off x="680321" y="2035147"/>
+            <a:ext cx="5192235" cy="4738661"/>
+          </a:xfrm>
+          <a:prstGeom prst="rect">
+            <a:avLst/>
+          </a:prstGeom>
+        </p:spPr>
+      </p:pic>
     </p:spTree>
     <p:extLst>
       <p:ext uri="{BB962C8B-B14F-4D97-AF65-F5344CB8AC3E}">
@@ -9362,41 +9464,285 @@
           <a:lstStyle/>
           <a:p>
             <a:r>
-              <a:rPr lang="en-CA" dirty="0"/>
+              <a:rPr lang="en-CA"/>
               <a:t>Data Visualization:</a:t>
             </a:r>
-          </a:p>
-        </p:txBody>
-      </p:sp>
-      <p:sp>
-        <p:nvSpPr>
-          <p:cNvPr id="3" name="Content Placeholder 2">
+            <a:endParaRPr lang="en-CA" dirty="0"/>
+          </a:p>
+        </p:txBody>
+      </p:sp>
+      <p:pic>
+        <p:nvPicPr>
+          <p:cNvPr id="5" name="Picture 4" descr="Chart&#10;&#10;Description automatically generated">
             <a:extLst>
               <a:ext uri="{FF2B5EF4-FFF2-40B4-BE49-F238E27FC236}">
-                <a16:creationId xmlns:a16="http://schemas.microsoft.com/office/drawing/2014/main" id="{30612C1E-9606-4B9C-8AFF-421918753626}"/>
+                <a16:creationId xmlns:a16="http://schemas.microsoft.com/office/drawing/2014/main" id="{B3AEBE2C-1472-48A0-8B14-E942AE136B14}"/>
               </a:ext>
             </a:extLst>
           </p:cNvPr>
-          <p:cNvSpPr>
-            <a:spLocks noGrp="1"/>
-          </p:cNvSpPr>
-          <p:nvPr>
-            <p:ph idx="1"/>
-          </p:nvPr>
-        </p:nvSpPr>
-        <p:spPr/>
-        <p:txBody>
-          <a:bodyPr/>
-          <a:lstStyle/>
-          <a:p>
-            <a:endParaRPr lang="en-CA" dirty="0"/>
-          </a:p>
-        </p:txBody>
-      </p:sp>
+          <p:cNvPicPr>
+            <a:picLocks noChangeAspect="1"/>
+          </p:cNvPicPr>
+          <p:nvPr/>
+        </p:nvPicPr>
+        <p:blipFill>
+          <a:blip r:embed="rId2">
+            <a:extLst>
+              <a:ext uri="{28A0092B-C50C-407E-A947-70E740481C1C}">
+                <a14:useLocalDpi xmlns:a14="http://schemas.microsoft.com/office/drawing/2010/main" val="0"/>
+              </a:ext>
+            </a:extLst>
+          </a:blip>
+          <a:stretch>
+            <a:fillRect/>
+          </a:stretch>
+        </p:blipFill>
+        <p:spPr>
+          <a:xfrm>
+            <a:off x="410984" y="2155838"/>
+            <a:ext cx="5361437" cy="3397947"/>
+          </a:xfrm>
+          <a:prstGeom prst="rect">
+            <a:avLst/>
+          </a:prstGeom>
+        </p:spPr>
+      </p:pic>
+      <p:pic>
+        <p:nvPicPr>
+          <p:cNvPr id="7" name="Picture 6" descr="Chart, scatter chart&#10;&#10;Description automatically generated">
+            <a:extLst>
+              <a:ext uri="{FF2B5EF4-FFF2-40B4-BE49-F238E27FC236}">
+                <a16:creationId xmlns:a16="http://schemas.microsoft.com/office/drawing/2014/main" id="{E6B19871-1290-44A2-A4CC-01F8880B1E4B}"/>
+              </a:ext>
+            </a:extLst>
+          </p:cNvPr>
+          <p:cNvPicPr>
+            <a:picLocks noChangeAspect="1"/>
+          </p:cNvPicPr>
+          <p:nvPr/>
+        </p:nvPicPr>
+        <p:blipFill>
+          <a:blip r:embed="rId3">
+            <a:extLst>
+              <a:ext uri="{28A0092B-C50C-407E-A947-70E740481C1C}">
+                <a14:useLocalDpi xmlns:a14="http://schemas.microsoft.com/office/drawing/2010/main" val="0"/>
+              </a:ext>
+            </a:extLst>
+          </a:blip>
+          <a:stretch>
+            <a:fillRect/>
+          </a:stretch>
+        </p:blipFill>
+        <p:spPr>
+          <a:xfrm>
+            <a:off x="6419580" y="92687"/>
+            <a:ext cx="4485905" cy="3482958"/>
+          </a:xfrm>
+          <a:prstGeom prst="rect">
+            <a:avLst/>
+          </a:prstGeom>
+        </p:spPr>
+      </p:pic>
+      <p:pic>
+        <p:nvPicPr>
+          <p:cNvPr id="14" name="Picture 13" descr="Chart, scatter chart&#10;&#10;Description automatically generated">
+            <a:extLst>
+              <a:ext uri="{FF2B5EF4-FFF2-40B4-BE49-F238E27FC236}">
+                <a16:creationId xmlns:a16="http://schemas.microsoft.com/office/drawing/2014/main" id="{E9DBA6DC-EEB4-4CC8-BD10-D70A5C6F86D4}"/>
+              </a:ext>
+            </a:extLst>
+          </p:cNvPr>
+          <p:cNvPicPr>
+            <a:picLocks noChangeAspect="1"/>
+          </p:cNvPicPr>
+          <p:nvPr/>
+        </p:nvPicPr>
+        <p:blipFill>
+          <a:blip r:embed="rId4">
+            <a:extLst>
+              <a:ext uri="{28A0092B-C50C-407E-A947-70E740481C1C}">
+                <a14:useLocalDpi xmlns:a14="http://schemas.microsoft.com/office/drawing/2010/main" val="0"/>
+              </a:ext>
+            </a:extLst>
+          </a:blip>
+          <a:stretch>
+            <a:fillRect/>
+          </a:stretch>
+        </p:blipFill>
+        <p:spPr>
+          <a:xfrm>
+            <a:off x="6096000" y="3705801"/>
+            <a:ext cx="5133067" cy="3059512"/>
+          </a:xfrm>
+          <a:prstGeom prst="rect">
+            <a:avLst/>
+          </a:prstGeom>
+        </p:spPr>
+      </p:pic>
     </p:spTree>
     <p:extLst>
       <p:ext uri="{BB962C8B-B14F-4D97-AF65-F5344CB8AC3E}">
         <p14:creationId xmlns:p14="http://schemas.microsoft.com/office/powerpoint/2010/main" val="3670758583"/>
+      </p:ext>
+    </p:extLst>
+  </p:cSld>
+  <p:clrMapOvr>
+    <a:masterClrMapping/>
+  </p:clrMapOvr>
+</p:sld>
+</file>
+
+<file path=ppt/slides/slide8.xml><?xml version="1.0" encoding="utf-8"?>
+<p:sld xmlns:a="http://schemas.openxmlformats.org/drawingml/2006/main" xmlns:r="http://schemas.openxmlformats.org/officeDocument/2006/relationships" xmlns:p="http://schemas.openxmlformats.org/presentationml/2006/main">
+  <p:cSld>
+    <p:spTree>
+      <p:nvGrpSpPr>
+        <p:cNvPr id="1" name=""/>
+        <p:cNvGrpSpPr/>
+        <p:nvPr/>
+      </p:nvGrpSpPr>
+      <p:grpSpPr>
+        <a:xfrm>
+          <a:off x="0" y="0"/>
+          <a:ext cx="0" cy="0"/>
+          <a:chOff x="0" y="0"/>
+          <a:chExt cx="0" cy="0"/>
+        </a:xfrm>
+      </p:grpSpPr>
+      <p:sp>
+        <p:nvSpPr>
+          <p:cNvPr id="2" name="Title 1">
+            <a:extLst>
+              <a:ext uri="{FF2B5EF4-FFF2-40B4-BE49-F238E27FC236}">
+                <a16:creationId xmlns:a16="http://schemas.microsoft.com/office/drawing/2014/main" id="{DEE1F931-415E-464E-A7D9-CA8B8F85F634}"/>
+              </a:ext>
+            </a:extLst>
+          </p:cNvPr>
+          <p:cNvSpPr>
+            <a:spLocks noGrp="1"/>
+          </p:cNvSpPr>
+          <p:nvPr>
+            <p:ph type="title"/>
+          </p:nvPr>
+        </p:nvSpPr>
+        <p:spPr/>
+        <p:txBody>
+          <a:bodyPr/>
+          <a:lstStyle/>
+          <a:p>
+            <a:r>
+              <a:rPr lang="en-US" altLang="zh-CN" dirty="0"/>
+              <a:t>How did we do the MAGIC plotting:</a:t>
+            </a:r>
+            <a:endParaRPr lang="en-CA" dirty="0"/>
+          </a:p>
+        </p:txBody>
+      </p:sp>
+      <p:sp>
+        <p:nvSpPr>
+          <p:cNvPr id="3" name="Content Placeholder 2">
+            <a:extLst>
+              <a:ext uri="{FF2B5EF4-FFF2-40B4-BE49-F238E27FC236}">
+                <a16:creationId xmlns:a16="http://schemas.microsoft.com/office/drawing/2014/main" id="{22603DBE-291D-430A-8634-03A36435777F}"/>
+              </a:ext>
+            </a:extLst>
+          </p:cNvPr>
+          <p:cNvSpPr>
+            <a:spLocks noGrp="1"/>
+          </p:cNvSpPr>
+          <p:nvPr>
+            <p:ph idx="1"/>
+          </p:nvPr>
+        </p:nvSpPr>
+        <p:spPr>
+          <a:xfrm>
+            <a:off x="7253826" y="2900854"/>
+            <a:ext cx="4854091" cy="2448911"/>
+          </a:xfrm>
+        </p:spPr>
+        <p:txBody>
+          <a:bodyPr/>
+          <a:lstStyle/>
+          <a:p>
+            <a:r>
+              <a:rPr lang="en-CA" dirty="0"/>
+              <a:t>With help of matplotlib and </a:t>
+            </a:r>
+            <a:r>
+              <a:rPr lang="en-CA" dirty="0" err="1"/>
+              <a:t>glueviz</a:t>
+            </a:r>
+            <a:r>
+              <a:rPr lang="en-CA" dirty="0"/>
+              <a:t> libraries/packages, we construct such informative graph showing the relationships within the database.</a:t>
+            </a:r>
+          </a:p>
+        </p:txBody>
+      </p:sp>
+      <p:pic>
+        <p:nvPicPr>
+          <p:cNvPr id="4" name="Picture 3">
+            <a:extLst>
+              <a:ext uri="{FF2B5EF4-FFF2-40B4-BE49-F238E27FC236}">
+                <a16:creationId xmlns:a16="http://schemas.microsoft.com/office/drawing/2014/main" id="{0E21B050-C1E0-4F04-BE88-F8B56C3763DD}"/>
+              </a:ext>
+            </a:extLst>
+          </p:cNvPr>
+          <p:cNvPicPr>
+            <a:picLocks noChangeAspect="1"/>
+          </p:cNvPicPr>
+          <p:nvPr/>
+        </p:nvPicPr>
+        <p:blipFill>
+          <a:blip r:embed="rId2"/>
+          <a:stretch>
+            <a:fillRect/>
+          </a:stretch>
+        </p:blipFill>
+        <p:spPr>
+          <a:xfrm>
+            <a:off x="215460" y="3429000"/>
+            <a:ext cx="1200150" cy="990600"/>
+          </a:xfrm>
+          <a:prstGeom prst="rect">
+            <a:avLst/>
+          </a:prstGeom>
+        </p:spPr>
+      </p:pic>
+      <p:pic>
+        <p:nvPicPr>
+          <p:cNvPr id="6" name="Picture 5">
+            <a:extLst>
+              <a:ext uri="{FF2B5EF4-FFF2-40B4-BE49-F238E27FC236}">
+                <a16:creationId xmlns:a16="http://schemas.microsoft.com/office/drawing/2014/main" id="{9D0601F7-39F8-48D5-BE38-192DD5FC97B6}"/>
+              </a:ext>
+            </a:extLst>
+          </p:cNvPr>
+          <p:cNvPicPr>
+            <a:picLocks noChangeAspect="1"/>
+          </p:cNvPicPr>
+          <p:nvPr/>
+        </p:nvPicPr>
+        <p:blipFill>
+          <a:blip r:embed="rId3"/>
+          <a:stretch>
+            <a:fillRect/>
+          </a:stretch>
+        </p:blipFill>
+        <p:spPr>
+          <a:xfrm>
+            <a:off x="1609711" y="2526949"/>
+            <a:ext cx="5534097" cy="3577823"/>
+          </a:xfrm>
+          <a:prstGeom prst="rect">
+            <a:avLst/>
+          </a:prstGeom>
+        </p:spPr>
+      </p:pic>
+    </p:spTree>
+    <p:extLst>
+      <p:ext uri="{BB962C8B-B14F-4D97-AF65-F5344CB8AC3E}">
+        <p14:creationId xmlns:p14="http://schemas.microsoft.com/office/powerpoint/2010/main" val="1818127384"/>
       </p:ext>
     </p:extLst>
   </p:cSld>

--- a/Homework 2/hw2-pre.pptx
+++ b/Homework 2/hw2-pre.pptx
@@ -649,33 +649,16 @@
           <a:p>
             <a:r>
               <a:rPr lang="en-CA" dirty="0"/>
-              <a:t>We creates Movie class to define a single Movie object that is going to be stored in the database. The function </a:t>
+              <a:t>So this is the function we wrote to obtain the data of a single movie. As you can see, we have a variable named </a:t>
             </a:r>
             <a:r>
               <a:rPr lang="en-CA" dirty="0" err="1"/>
-              <a:t>from_dict_to_movie</a:t>
+              <a:t>movie_soup</a:t>
             </a:r>
             <a:r>
               <a:rPr lang="en-CA" dirty="0"/>
-              <a:t> converts python dictionary object to a Movie object we declared before so that we can store it into our MongoDB. Here’s the documentation of our </a:t>
-            </a:r>
-            <a:r>
-              <a:rPr lang="en-CA" dirty="0" err="1"/>
-              <a:t>movie_data</a:t>
-            </a:r>
-            <a:r>
-              <a:rPr lang="en-CA" dirty="0"/>
-              <a:t>. So each Movie object has a unique id. It has name, released or not. The year of release, the rating score, the number of ratings, and the director of the movie. </a:t>
-            </a:r>
-            <a:r>
-              <a:rPr lang="en-US" altLang="zh-CN" dirty="0"/>
-              <a:t>This is how we interact with our database and store each Movie object </a:t>
-            </a:r>
-            <a:r>
-              <a:rPr lang="en-US" altLang="zh-CN"/>
-              <a:t>to it.</a:t>
-            </a:r>
-            <a:endParaRPr lang="en-CA" dirty="0"/>
+              <a:t>. We then do a series of steps to get the data we want. Then we store the data in a python dictionary.</a:t>
+            </a:r>
           </a:p>
         </p:txBody>
       </p:sp>
@@ -696,7 +679,7 @@
           <a:p>
             <a:fld id="{3CDB4095-D3B1-428F-B161-03F77D37B078}" type="slidenum">
               <a:rPr lang="en-CA" smtClean="0"/>
-              <a:t>5</a:t>
+              <a:t>3</a:t>
             </a:fld>
             <a:endParaRPr lang="en-CA"/>
           </a:p>
@@ -705,7 +688,7 @@
     </p:spTree>
     <p:extLst>
       <p:ext uri="{BB962C8B-B14F-4D97-AF65-F5344CB8AC3E}">
-        <p14:creationId xmlns:p14="http://schemas.microsoft.com/office/powerpoint/2010/main" val="3463295143"/>
+        <p14:creationId xmlns:p14="http://schemas.microsoft.com/office/powerpoint/2010/main" val="2298275433"/>
       </p:ext>
     </p:extLst>
   </p:cSld>
@@ -760,6 +743,118 @@
           <a:lstStyle/>
           <a:p>
             <a:r>
+              <a:rPr lang="en-CA" dirty="0"/>
+              <a:t>We creates Movie class to define a single Movie object that is going to be stored in the database. The function </a:t>
+            </a:r>
+            <a:r>
+              <a:rPr lang="en-CA" dirty="0" err="1"/>
+              <a:t>from_dict_to_movie</a:t>
+            </a:r>
+            <a:r>
+              <a:rPr lang="en-CA" dirty="0"/>
+              <a:t> converts python dictionary object to a Movie object we declared before so that we can store it into our MongoDB. Here’s the documentation of our </a:t>
+            </a:r>
+            <a:r>
+              <a:rPr lang="en-CA" dirty="0" err="1"/>
+              <a:t>movie_data</a:t>
+            </a:r>
+            <a:r>
+              <a:rPr lang="en-CA" dirty="0"/>
+              <a:t>. So each Movie object has a unique id. It has name, released or not. The year of release, the rating score, the number of ratings, and the director of the movie. </a:t>
+            </a:r>
+            <a:r>
+              <a:rPr lang="en-US" altLang="zh-CN" dirty="0"/>
+              <a:t>This is how we interact with our database and store each Movie object </a:t>
+            </a:r>
+            <a:r>
+              <a:rPr lang="en-US" altLang="zh-CN"/>
+              <a:t>to it.</a:t>
+            </a:r>
+            <a:endParaRPr lang="en-CA" dirty="0"/>
+          </a:p>
+        </p:txBody>
+      </p:sp>
+      <p:sp>
+        <p:nvSpPr>
+          <p:cNvPr id="4" name="Slide Number Placeholder 3"/>
+          <p:cNvSpPr>
+            <a:spLocks noGrp="1"/>
+          </p:cNvSpPr>
+          <p:nvPr>
+            <p:ph type="sldNum" sz="quarter" idx="5"/>
+          </p:nvPr>
+        </p:nvSpPr>
+        <p:spPr/>
+        <p:txBody>
+          <a:bodyPr/>
+          <a:lstStyle/>
+          <a:p>
+            <a:fld id="{3CDB4095-D3B1-428F-B161-03F77D37B078}" type="slidenum">
+              <a:rPr lang="en-CA" smtClean="0"/>
+              <a:t>5</a:t>
+            </a:fld>
+            <a:endParaRPr lang="en-CA"/>
+          </a:p>
+        </p:txBody>
+      </p:sp>
+    </p:spTree>
+    <p:extLst>
+      <p:ext uri="{BB962C8B-B14F-4D97-AF65-F5344CB8AC3E}">
+        <p14:creationId xmlns:p14="http://schemas.microsoft.com/office/powerpoint/2010/main" val="3463295143"/>
+      </p:ext>
+    </p:extLst>
+  </p:cSld>
+  <p:clrMapOvr>
+    <a:masterClrMapping/>
+  </p:clrMapOvr>
+</p:notes>
+</file>
+
+<file path=ppt/notesSlides/notesSlide4.xml><?xml version="1.0" encoding="utf-8"?>
+<p:notes xmlns:a="http://schemas.openxmlformats.org/drawingml/2006/main" xmlns:r="http://schemas.openxmlformats.org/officeDocument/2006/relationships" xmlns:p="http://schemas.openxmlformats.org/presentationml/2006/main">
+  <p:cSld>
+    <p:spTree>
+      <p:nvGrpSpPr>
+        <p:cNvPr id="1" name=""/>
+        <p:cNvGrpSpPr/>
+        <p:nvPr/>
+      </p:nvGrpSpPr>
+      <p:grpSpPr>
+        <a:xfrm>
+          <a:off x="0" y="0"/>
+          <a:ext cx="0" cy="0"/>
+          <a:chOff x="0" y="0"/>
+          <a:chExt cx="0" cy="0"/>
+        </a:xfrm>
+      </p:grpSpPr>
+      <p:sp>
+        <p:nvSpPr>
+          <p:cNvPr id="2" name="Slide Image Placeholder 1"/>
+          <p:cNvSpPr>
+            <a:spLocks noGrp="1" noRot="1" noChangeAspect="1"/>
+          </p:cNvSpPr>
+          <p:nvPr>
+            <p:ph type="sldImg"/>
+          </p:nvPr>
+        </p:nvSpPr>
+        <p:spPr/>
+      </p:sp>
+      <p:sp>
+        <p:nvSpPr>
+          <p:cNvPr id="3" name="Notes Placeholder 2"/>
+          <p:cNvSpPr>
+            <a:spLocks noGrp="1"/>
+          </p:cNvSpPr>
+          <p:nvPr>
+            <p:ph type="body" idx="1"/>
+          </p:nvPr>
+        </p:nvSpPr>
+        <p:spPr/>
+        <p:txBody>
+          <a:bodyPr/>
+          <a:lstStyle/>
+          <a:p>
+            <a:r>
               <a:rPr lang="en-US" altLang="zh-CN" dirty="0"/>
               <a:t>Here’s a peek of the information of our MongoDB database. …………….. We use MongoDB Compass to interact with the database</a:t>
             </a:r>
@@ -814,6 +909,93 @@
     <p:extLst>
       <p:ext uri="{BB962C8B-B14F-4D97-AF65-F5344CB8AC3E}">
         <p14:creationId xmlns:p14="http://schemas.microsoft.com/office/powerpoint/2010/main" val="1981105252"/>
+      </p:ext>
+    </p:extLst>
+  </p:cSld>
+  <p:clrMapOvr>
+    <a:masterClrMapping/>
+  </p:clrMapOvr>
+</p:notes>
+</file>
+
+<file path=ppt/notesSlides/notesSlide5.xml><?xml version="1.0" encoding="utf-8"?>
+<p:notes xmlns:a="http://schemas.openxmlformats.org/drawingml/2006/main" xmlns:r="http://schemas.openxmlformats.org/officeDocument/2006/relationships" xmlns:p="http://schemas.openxmlformats.org/presentationml/2006/main">
+  <p:cSld>
+    <p:spTree>
+      <p:nvGrpSpPr>
+        <p:cNvPr id="1" name=""/>
+        <p:cNvGrpSpPr/>
+        <p:nvPr/>
+      </p:nvGrpSpPr>
+      <p:grpSpPr>
+        <a:xfrm>
+          <a:off x="0" y="0"/>
+          <a:ext cx="0" cy="0"/>
+          <a:chOff x="0" y="0"/>
+          <a:chExt cx="0" cy="0"/>
+        </a:xfrm>
+      </p:grpSpPr>
+      <p:sp>
+        <p:nvSpPr>
+          <p:cNvPr id="2" name="Slide Image Placeholder 1"/>
+          <p:cNvSpPr>
+            <a:spLocks noGrp="1" noRot="1" noChangeAspect="1"/>
+          </p:cNvSpPr>
+          <p:nvPr>
+            <p:ph type="sldImg"/>
+          </p:nvPr>
+        </p:nvSpPr>
+        <p:spPr/>
+      </p:sp>
+      <p:sp>
+        <p:nvSpPr>
+          <p:cNvPr id="3" name="Notes Placeholder 2"/>
+          <p:cNvSpPr>
+            <a:spLocks noGrp="1"/>
+          </p:cNvSpPr>
+          <p:nvPr>
+            <p:ph type="body" idx="1"/>
+          </p:nvPr>
+        </p:nvSpPr>
+        <p:spPr/>
+        <p:txBody>
+          <a:bodyPr/>
+          <a:lstStyle/>
+          <a:p>
+            <a:r>
+              <a:rPr lang="en-CA" dirty="0"/>
+              <a:t>Moving on to the data visualization. The first graph on the left shows the general distribution of the movie scores. Most of the comedy movies in our database are distributed between 5.5 points and 8 points. There are about 300,000 of them. The graph on the upper right corner shows that the number of ratings for most of the movies are under 200,000. The purple section in the last graph shows that the majority of movies released between 1980 and 2020 have scores from 5 to 8.</a:t>
+            </a:r>
+          </a:p>
+        </p:txBody>
+      </p:sp>
+      <p:sp>
+        <p:nvSpPr>
+          <p:cNvPr id="4" name="Slide Number Placeholder 3"/>
+          <p:cNvSpPr>
+            <a:spLocks noGrp="1"/>
+          </p:cNvSpPr>
+          <p:nvPr>
+            <p:ph type="sldNum" sz="quarter" idx="5"/>
+          </p:nvPr>
+        </p:nvSpPr>
+        <p:spPr/>
+        <p:txBody>
+          <a:bodyPr/>
+          <a:lstStyle/>
+          <a:p>
+            <a:fld id="{3CDB4095-D3B1-428F-B161-03F77D37B078}" type="slidenum">
+              <a:rPr lang="en-CA" smtClean="0"/>
+              <a:t>7</a:t>
+            </a:fld>
+            <a:endParaRPr lang="en-CA"/>
+          </a:p>
+        </p:txBody>
+      </p:sp>
+    </p:spTree>
+    <p:extLst>
+      <p:ext uri="{BB962C8B-B14F-4D97-AF65-F5344CB8AC3E}">
+        <p14:creationId xmlns:p14="http://schemas.microsoft.com/office/powerpoint/2010/main" val="4121018571"/>
       </p:ext>
     </p:extLst>
   </p:cSld>
@@ -8698,14 +8880,39 @@
             <p:ph idx="1"/>
           </p:nvPr>
         </p:nvSpPr>
-        <p:spPr/>
+        <p:spPr>
+          <a:xfrm>
+            <a:off x="1289069" y="2555527"/>
+            <a:ext cx="9613861" cy="3025959"/>
+          </a:xfrm>
+        </p:spPr>
         <p:txBody>
           <a:bodyPr/>
           <a:lstStyle/>
           <a:p>
             <a:r>
               <a:rPr lang="en-CA" dirty="0"/>
-              <a:t>We are interested in visualizing the data of movies so that we can understand the overall trends and detailed analysis of the movie industry.</a:t>
+              <a:t>We are interested in visualizing the data of movies so that we can understand the overall trends and do</a:t>
+            </a:r>
+            <a:r>
+              <a:rPr lang="zh-CN" altLang="en-US" dirty="0"/>
+              <a:t> </a:t>
+            </a:r>
+            <a:r>
+              <a:rPr lang="en-CA" altLang="zh-CN" dirty="0"/>
+              <a:t>some</a:t>
+            </a:r>
+            <a:r>
+              <a:rPr lang="zh-CN" altLang="en-US" dirty="0"/>
+              <a:t> </a:t>
+            </a:r>
+            <a:r>
+              <a:rPr lang="en-CA" altLang="zh-CN" dirty="0"/>
+              <a:t>data </a:t>
+            </a:r>
+            <a:r>
+              <a:rPr lang="en-CA" dirty="0"/>
+              <a:t>analysis of the movie industry.</a:t>
             </a:r>
           </a:p>
           <a:p>
@@ -8727,7 +8934,7 @@
           <a:p>
             <a:r>
               <a:rPr lang="en-CA" dirty="0"/>
-              <a:t>There are tons of movie data in IMDb. We only want to focus on comedy films. We retrieved ~450,000 comedy movies from IMDb to do further analysis.</a:t>
+              <a:t>There are tons of movie data in IMDb. We only want to focus on comedy films. We retrieved data of ~450,000 comedy movies from IMDb to do further analysis.</a:t>
             </a:r>
           </a:p>
         </p:txBody>
@@ -8852,7 +9059,12 @@
             <p:ph idx="1"/>
           </p:nvPr>
         </p:nvSpPr>
-        <p:spPr/>
+        <p:spPr>
+          <a:xfrm>
+            <a:off x="1289069" y="2369825"/>
+            <a:ext cx="9613861" cy="3599316"/>
+          </a:xfrm>
+        </p:spPr>
         <p:txBody>
           <a:bodyPr/>
           <a:lstStyle/>
@@ -8867,7 +9079,7 @@
             </a:r>
             <a:r>
               <a:rPr lang="en-CA" dirty="0"/>
-              <a:t>) library (Module) to scrap the html web page.</a:t>
+              <a:t>) library to parse the HTML web page.</a:t>
             </a:r>
           </a:p>
         </p:txBody>
@@ -8887,14 +9099,14 @@
           <p:nvPr/>
         </p:nvPicPr>
         <p:blipFill>
-          <a:blip r:embed="rId2"/>
+          <a:blip r:embed="rId3"/>
           <a:stretch>
             <a:fillRect/>
           </a:stretch>
         </p:blipFill>
         <p:spPr>
           <a:xfrm>
-            <a:off x="274414" y="3262312"/>
+            <a:off x="274414" y="3006939"/>
             <a:ext cx="6044133" cy="3297608"/>
           </a:xfrm>
           <a:prstGeom prst="rect">
@@ -8917,14 +9129,14 @@
           <p:nvPr/>
         </p:nvPicPr>
         <p:blipFill>
-          <a:blip r:embed="rId3"/>
+          <a:blip r:embed="rId4"/>
           <a:stretch>
             <a:fillRect/>
           </a:stretch>
         </p:blipFill>
         <p:spPr>
           <a:xfrm>
-            <a:off x="6465593" y="3262312"/>
+            <a:off x="6457356" y="3032790"/>
             <a:ext cx="5558319" cy="2430188"/>
           </a:xfrm>
           <a:prstGeom prst="rect">
@@ -9008,23 +9220,25 @@
         </p:nvSpPr>
         <p:spPr>
           <a:xfrm>
-            <a:off x="6539023" y="2162460"/>
-            <a:ext cx="5335440" cy="4414801"/>
-          </a:xfrm>
-        </p:spPr>
-        <p:txBody>
-          <a:bodyPr/>
+            <a:off x="6539023" y="2115471"/>
+            <a:ext cx="5335440" cy="4695540"/>
+          </a:xfrm>
+        </p:spPr>
+        <p:txBody>
+          <a:bodyPr>
+            <a:normAutofit/>
+          </a:bodyPr>
           <a:lstStyle/>
           <a:p>
             <a:r>
               <a:rPr lang="en-CA" dirty="0"/>
-              <a:t>While we were scraping the data from IMDb, we encountered request exceptions that terminate our web scraping program since we request too frequently.</a:t>
+              <a:t>While we were scraping the data from IMDb, we encountered some  request exceptions that terminate our web scraping program since we requested too frequently.</a:t>
             </a:r>
           </a:p>
           <a:p>
             <a:r>
               <a:rPr lang="en-CA" dirty="0"/>
-              <a:t>Therefore, we use try/except to catch the exception and continue to the next iteration so that the program will not be terminated.</a:t>
+              <a:t>Therefore, we use try/except keywords to catch the exception and continue to the next iteration so that the program will not be terminated.</a:t>
             </a:r>
           </a:p>
           <a:p>
@@ -9057,7 +9271,7 @@
         </p:blipFill>
         <p:spPr>
           <a:xfrm>
-            <a:off x="317537" y="2141011"/>
+            <a:off x="408153" y="2173963"/>
             <a:ext cx="5857875" cy="2228850"/>
           </a:xfrm>
           <a:prstGeom prst="rect">
@@ -9087,7 +9301,7 @@
         </p:blipFill>
         <p:spPr>
           <a:xfrm>
-            <a:off x="317537" y="4464289"/>
+            <a:off x="408154" y="4463241"/>
             <a:ext cx="5857874" cy="2220710"/>
           </a:xfrm>
           <a:prstGeom prst="rect">
@@ -9265,7 +9479,7 @@
         </p:blipFill>
         <p:spPr>
           <a:xfrm>
-            <a:off x="6649002" y="5128030"/>
+            <a:off x="6673715" y="5045652"/>
             <a:ext cx="5107304" cy="799046"/>
           </a:xfrm>
           <a:prstGeom prst="rect">
@@ -9378,10 +9592,10 @@
       </p:sp>
       <p:pic>
         <p:nvPicPr>
-          <p:cNvPr id="5" name="Picture 4" descr="Graphical user interface, text, application, email&#10;&#10;Description automatically generated">
+          <p:cNvPr id="9" name="Picture 8" descr="Graphical user interface, text, application, email&#10;&#10;Description automatically generated">
             <a:extLst>
               <a:ext uri="{FF2B5EF4-FFF2-40B4-BE49-F238E27FC236}">
-                <a16:creationId xmlns:a16="http://schemas.microsoft.com/office/drawing/2014/main" id="{4079AFEC-B924-4303-8728-AA5CBD906630}"/>
+                <a16:creationId xmlns:a16="http://schemas.microsoft.com/office/drawing/2014/main" id="{52802CFC-B11E-46A4-81AA-391BD1179D57}"/>
               </a:ext>
             </a:extLst>
           </p:cNvPr>
@@ -9404,8 +9618,8 @@
         </p:blipFill>
         <p:spPr>
           <a:xfrm>
-            <a:off x="680321" y="2035147"/>
-            <a:ext cx="5192235" cy="4738661"/>
+            <a:off x="815914" y="2165640"/>
+            <a:ext cx="4901072" cy="4472933"/>
           </a:xfrm>
           <a:prstGeom prst="rect">
             <a:avLst/>
@@ -9486,7 +9700,7 @@
           <p:nvPr/>
         </p:nvPicPr>
         <p:blipFill>
-          <a:blip r:embed="rId2">
+          <a:blip r:embed="rId3">
             <a:extLst>
               <a:ext uri="{28A0092B-C50C-407E-A947-70E740481C1C}">
                 <a14:useLocalDpi xmlns:a14="http://schemas.microsoft.com/office/drawing/2010/main" val="0"/>
@@ -9522,7 +9736,7 @@
           <p:nvPr/>
         </p:nvPicPr>
         <p:blipFill>
-          <a:blip r:embed="rId3">
+          <a:blip r:embed="rId4">
             <a:extLst>
               <a:ext uri="{28A0092B-C50C-407E-A947-70E740481C1C}">
                 <a14:useLocalDpi xmlns:a14="http://schemas.microsoft.com/office/drawing/2010/main" val="0"/>
@@ -9558,7 +9772,7 @@
           <p:nvPr/>
         </p:nvPicPr>
         <p:blipFill>
-          <a:blip r:embed="rId4">
+          <a:blip r:embed="rId5">
             <a:extLst>
               <a:ext uri="{28A0092B-C50C-407E-A947-70E740481C1C}">
                 <a14:useLocalDpi xmlns:a14="http://schemas.microsoft.com/office/drawing/2010/main" val="0"/>
@@ -9632,7 +9846,15 @@
           <a:p>
             <a:r>
               <a:rPr lang="en-US" altLang="zh-CN" dirty="0"/>
-              <a:t>How did we do the MAGIC plotting:</a:t>
+              <a:t>How did we create such </a:t>
+            </a:r>
+            <a:r>
+              <a:rPr lang="en-US" altLang="zh-CN" i="1" dirty="0"/>
+              <a:t>MAGICAL</a:t>
+            </a:r>
+            <a:r>
+              <a:rPr lang="en-US" altLang="zh-CN" dirty="0"/>
+              <a:t> plotting:</a:t>
             </a:r>
             <a:endParaRPr lang="en-CA" dirty="0"/>
           </a:p>

--- a/Homework 2/hw2-pre.pptx
+++ b/Homework 2/hw2-pre.pptx
@@ -204,7 +204,7 @@
           <a:p>
             <a:fld id="{0FCEF1EF-909D-414B-956F-6A81FE36FE25}" type="datetimeFigureOut">
               <a:rPr lang="en-CA" smtClean="0"/>
-              <a:t>2020-11-06</a:t>
+              <a:t>2020-11-07</a:t>
             </a:fld>
             <a:endParaRPr lang="en-CA"/>
           </a:p>
@@ -648,17 +648,58 @@
           <a:lstStyle/>
           <a:p>
             <a:r>
+              <a:rPr lang="en-US" dirty="0"/>
+              <a:t>Let's take a look at the data we are interested in. </a:t>
+            </a:r>
+            <a:r>
               <a:rPr lang="en-CA" dirty="0"/>
-              <a:t>So this is the function we wrote to obtain the data of a single movie. As you can see, we have a variable named </a:t>
-            </a:r>
-            <a:r>
-              <a:rPr lang="en-CA" dirty="0" err="1"/>
-              <a:t>movie_soup</a:t>
+              <a:t>We are interested in visualizing the data of movies so that we can understand the overall trends and do</a:t>
+            </a:r>
+            <a:r>
+              <a:rPr lang="zh-CN" altLang="en-US" dirty="0"/>
+              <a:t> </a:t>
+            </a:r>
+            <a:r>
+              <a:rPr lang="en-CA" altLang="zh-CN" dirty="0"/>
+              <a:t>some</a:t>
+            </a:r>
+            <a:r>
+              <a:rPr lang="zh-CN" altLang="en-US" dirty="0"/>
+              <a:t> </a:t>
+            </a:r>
+            <a:r>
+              <a:rPr lang="en-CA" altLang="zh-CN" dirty="0"/>
+              <a:t>data </a:t>
             </a:r>
             <a:r>
               <a:rPr lang="en-CA" dirty="0"/>
-              <a:t>. We then do a series of steps to get the data we want. Then we store the data in a python dictionary.</a:t>
-            </a:r>
+              <a:t>analysis of the movie industry.</a:t>
+            </a:r>
+          </a:p>
+          <a:p>
+            <a:r>
+              <a:rPr lang="en-CA" dirty="0"/>
+              <a:t>We chose </a:t>
+            </a:r>
+            <a:r>
+              <a:rPr lang="en-CA" dirty="0">
+                <a:hlinkClick r:id="rId3"/>
+              </a:rPr>
+              <a:t>IMDb</a:t>
+            </a:r>
+            <a:r>
+              <a:rPr lang="en-CA" dirty="0"/>
+              <a:t> (Internet Movie Database) to get the movie data we want.</a:t>
+            </a:r>
+          </a:p>
+          <a:p>
+            <a:r>
+              <a:rPr lang="en-CA" dirty="0"/>
+              <a:t>There are tons of movie data in IMDb. We only want to focus on comedy films. We retrieved data of ~450,000 comedy movies from IMDb to do further analysis.</a:t>
+            </a:r>
+          </a:p>
+          <a:p>
+            <a:endParaRPr lang="en-US" dirty="0"/>
           </a:p>
         </p:txBody>
       </p:sp>
@@ -679,7 +720,7 @@
           <a:p>
             <a:fld id="{3CDB4095-D3B1-428F-B161-03F77D37B078}" type="slidenum">
               <a:rPr lang="en-CA" smtClean="0"/>
-              <a:t>3</a:t>
+              <a:t>2</a:t>
             </a:fld>
             <a:endParaRPr lang="en-CA"/>
           </a:p>
@@ -688,7 +729,7 @@
     </p:spTree>
     <p:extLst>
       <p:ext uri="{BB962C8B-B14F-4D97-AF65-F5344CB8AC3E}">
-        <p14:creationId xmlns:p14="http://schemas.microsoft.com/office/powerpoint/2010/main" val="2298275433"/>
+        <p14:creationId xmlns:p14="http://schemas.microsoft.com/office/powerpoint/2010/main" val="1377607266"/>
       </p:ext>
     </p:extLst>
   </p:cSld>
@@ -744,33 +785,16 @@
           <a:p>
             <a:r>
               <a:rPr lang="en-CA" dirty="0"/>
-              <a:t>We creates Movie class to define a single Movie object that is going to be stored in the database. The function </a:t>
+              <a:t>So this is the function we wrote to obtain the data of a single movie. As you can see, we have a variable named </a:t>
             </a:r>
             <a:r>
               <a:rPr lang="en-CA" dirty="0" err="1"/>
-              <a:t>from_dict_to_movie</a:t>
+              <a:t>movie_soup</a:t>
             </a:r>
             <a:r>
               <a:rPr lang="en-CA" dirty="0"/>
-              <a:t> converts python dictionary object to a Movie object we declared before so that we can store it into our MongoDB. Here’s the documentation of our </a:t>
-            </a:r>
-            <a:r>
-              <a:rPr lang="en-CA" dirty="0" err="1"/>
-              <a:t>movie_data</a:t>
-            </a:r>
-            <a:r>
-              <a:rPr lang="en-CA" dirty="0"/>
-              <a:t>. So each Movie object has a unique id. It has name, released or not. The year of release, the rating score, the number of ratings, and the director of the movie. </a:t>
-            </a:r>
-            <a:r>
-              <a:rPr lang="en-US" altLang="zh-CN" dirty="0"/>
-              <a:t>This is how we interact with our database and store each Movie object </a:t>
-            </a:r>
-            <a:r>
-              <a:rPr lang="en-US" altLang="zh-CN"/>
-              <a:t>to it.</a:t>
-            </a:r>
-            <a:endParaRPr lang="en-CA" dirty="0"/>
+              <a:t>. We then do a series of steps to get the data we want. Then we store the data in a python dictionary.</a:t>
+            </a:r>
           </a:p>
         </p:txBody>
       </p:sp>
@@ -791,7 +815,7 @@
           <a:p>
             <a:fld id="{3CDB4095-D3B1-428F-B161-03F77D37B078}" type="slidenum">
               <a:rPr lang="en-CA" smtClean="0"/>
-              <a:t>5</a:t>
+              <a:t>3</a:t>
             </a:fld>
             <a:endParaRPr lang="en-CA"/>
           </a:p>
@@ -800,7 +824,7 @@
     </p:spTree>
     <p:extLst>
       <p:ext uri="{BB962C8B-B14F-4D97-AF65-F5344CB8AC3E}">
-        <p14:creationId xmlns:p14="http://schemas.microsoft.com/office/powerpoint/2010/main" val="3463295143"/>
+        <p14:creationId xmlns:p14="http://schemas.microsoft.com/office/powerpoint/2010/main" val="2298275433"/>
       </p:ext>
     </p:extLst>
   </p:cSld>
@@ -855,12 +879,120 @@
           <a:lstStyle/>
           <a:p>
             <a:r>
+              <a:rPr lang="en-CA" dirty="0"/>
+              <a:t>We creates Movie class to define a single Movie object that is going to be stored in the database. The function </a:t>
+            </a:r>
+            <a:r>
+              <a:rPr lang="en-CA" dirty="0" err="1"/>
+              <a:t>from_dict_to_movie</a:t>
+            </a:r>
+            <a:r>
+              <a:rPr lang="en-CA" dirty="0"/>
+              <a:t> converts python dictionary object to a Movie object we declared before so that we can easily store it into our MongoDB. Here’s the documentation of our </a:t>
+            </a:r>
+            <a:r>
+              <a:rPr lang="en-CA" dirty="0" err="1"/>
+              <a:t>movie_data</a:t>
+            </a:r>
+            <a:r>
+              <a:rPr lang="en-CA" dirty="0"/>
+              <a:t>. So each Movie object has a unique id. It has name, released or not. The year of release, the rating score, the number of ratings, and the director of the movie. </a:t>
+            </a:r>
+            <a:r>
               <a:rPr lang="en-US" altLang="zh-CN" dirty="0"/>
-              <a:t>Here’s a peek of the information of our MongoDB database. …………….. We use MongoDB Compass to interact with the database</a:t>
+              <a:t>This is how we interact with our database and store each Movie object to it.</a:t>
+            </a:r>
+            <a:endParaRPr lang="en-CA" dirty="0"/>
+          </a:p>
+        </p:txBody>
+      </p:sp>
+      <p:sp>
+        <p:nvSpPr>
+          <p:cNvPr id="4" name="Slide Number Placeholder 3"/>
+          <p:cNvSpPr>
+            <a:spLocks noGrp="1"/>
+          </p:cNvSpPr>
+          <p:nvPr>
+            <p:ph type="sldNum" sz="quarter" idx="5"/>
+          </p:nvPr>
+        </p:nvSpPr>
+        <p:spPr/>
+        <p:txBody>
+          <a:bodyPr/>
+          <a:lstStyle/>
+          <a:p>
+            <a:fld id="{3CDB4095-D3B1-428F-B161-03F77D37B078}" type="slidenum">
+              <a:rPr lang="en-CA" smtClean="0"/>
+              <a:t>5</a:t>
+            </a:fld>
+            <a:endParaRPr lang="en-CA"/>
+          </a:p>
+        </p:txBody>
+      </p:sp>
+    </p:spTree>
+    <p:extLst>
+      <p:ext uri="{BB962C8B-B14F-4D97-AF65-F5344CB8AC3E}">
+        <p14:creationId xmlns:p14="http://schemas.microsoft.com/office/powerpoint/2010/main" val="3463295143"/>
+      </p:ext>
+    </p:extLst>
+  </p:cSld>
+  <p:clrMapOvr>
+    <a:masterClrMapping/>
+  </p:clrMapOvr>
+</p:notes>
+</file>
+
+<file path=ppt/notesSlides/notesSlide5.xml><?xml version="1.0" encoding="utf-8"?>
+<p:notes xmlns:a="http://schemas.openxmlformats.org/drawingml/2006/main" xmlns:r="http://schemas.openxmlformats.org/officeDocument/2006/relationships" xmlns:p="http://schemas.openxmlformats.org/presentationml/2006/main">
+  <p:cSld>
+    <p:spTree>
+      <p:nvGrpSpPr>
+        <p:cNvPr id="1" name=""/>
+        <p:cNvGrpSpPr/>
+        <p:nvPr/>
+      </p:nvGrpSpPr>
+      <p:grpSpPr>
+        <a:xfrm>
+          <a:off x="0" y="0"/>
+          <a:ext cx="0" cy="0"/>
+          <a:chOff x="0" y="0"/>
+          <a:chExt cx="0" cy="0"/>
+        </a:xfrm>
+      </p:grpSpPr>
+      <p:sp>
+        <p:nvSpPr>
+          <p:cNvPr id="2" name="Slide Image Placeholder 1"/>
+          <p:cNvSpPr>
+            <a:spLocks noGrp="1" noRot="1" noChangeAspect="1"/>
+          </p:cNvSpPr>
+          <p:nvPr>
+            <p:ph type="sldImg"/>
+          </p:nvPr>
+        </p:nvSpPr>
+        <p:spPr/>
+      </p:sp>
+      <p:sp>
+        <p:nvSpPr>
+          <p:cNvPr id="3" name="Notes Placeholder 2"/>
+          <p:cNvSpPr>
+            <a:spLocks noGrp="1"/>
+          </p:cNvSpPr>
+          <p:nvPr>
+            <p:ph type="body" idx="1"/>
+          </p:nvPr>
+        </p:nvSpPr>
+        <p:spPr/>
+        <p:txBody>
+          <a:bodyPr/>
+          <a:lstStyle/>
+          <a:p>
+            <a:r>
+              <a:rPr lang="en-US" altLang="zh-CN" dirty="0"/>
+              <a:t>Here’s a peek of the information of our MongoDB database. …………….. </a:t>
             </a:r>
             <a:r>
               <a:rPr lang="en-CA" altLang="zh-CN" dirty="0"/>
-              <a:t>.</a:t>
+              <a:t>It</a:t>
             </a:r>
             <a:r>
               <a:rPr lang="zh-CN" altLang="en-US" dirty="0"/>
@@ -868,15 +1000,7 @@
             </a:r>
             <a:r>
               <a:rPr lang="en-CA" altLang="zh-CN" dirty="0"/>
-              <a:t>It</a:t>
-            </a:r>
-            <a:r>
-              <a:rPr lang="zh-CN" altLang="en-US" dirty="0"/>
-              <a:t> </a:t>
-            </a:r>
-            <a:r>
-              <a:rPr lang="en-CA" altLang="zh-CN" dirty="0"/>
-              <a:t>provides a graphical user interface (GUI) so that it will be easier to do the database operations.</a:t>
+              <a:t>provides a graphical user interface (a.k.a. GUI) so that it is much more convenient for us to do the database operations.</a:t>
             </a:r>
             <a:endParaRPr lang="en-CA" dirty="0"/>
           </a:p>
@@ -918,7 +1042,7 @@
 </p:notes>
 </file>
 
-<file path=ppt/notesSlides/notesSlide5.xml><?xml version="1.0" encoding="utf-8"?>
+<file path=ppt/notesSlides/notesSlide6.xml><?xml version="1.0" encoding="utf-8"?>
 <p:notes xmlns:a="http://schemas.openxmlformats.org/drawingml/2006/main" xmlns:r="http://schemas.openxmlformats.org/officeDocument/2006/relationships" xmlns:p="http://schemas.openxmlformats.org/presentationml/2006/main">
   <p:cSld>
     <p:spTree>
@@ -1279,7 +1403,7 @@
           <a:p>
             <a:fld id="{3372BB4F-0E8D-4BE5-A3CF-D81A39B506F9}" type="datetimeFigureOut">
               <a:rPr lang="en-CA" smtClean="0"/>
-              <a:t>2020-11-06</a:t>
+              <a:t>2020-11-07</a:t>
             </a:fld>
             <a:endParaRPr lang="en-CA"/>
           </a:p>
@@ -1693,7 +1817,7 @@
           <a:p>
             <a:fld id="{3372BB4F-0E8D-4BE5-A3CF-D81A39B506F9}" type="datetimeFigureOut">
               <a:rPr lang="en-CA" smtClean="0"/>
-              <a:t>2020-11-06</a:t>
+              <a:t>2020-11-07</a:t>
             </a:fld>
             <a:endParaRPr lang="en-CA"/>
           </a:p>
@@ -2029,7 +2153,7 @@
           <a:p>
             <a:fld id="{3372BB4F-0E8D-4BE5-A3CF-D81A39B506F9}" type="datetimeFigureOut">
               <a:rPr lang="en-CA" smtClean="0"/>
-              <a:t>2020-11-06</a:t>
+              <a:t>2020-11-07</a:t>
             </a:fld>
             <a:endParaRPr lang="en-CA"/>
           </a:p>
@@ -2434,7 +2558,7 @@
           <a:p>
             <a:fld id="{3372BB4F-0E8D-4BE5-A3CF-D81A39B506F9}" type="datetimeFigureOut">
               <a:rPr lang="en-CA" smtClean="0"/>
-              <a:t>2020-11-06</a:t>
+              <a:t>2020-11-07</a:t>
             </a:fld>
             <a:endParaRPr lang="en-CA"/>
           </a:p>
@@ -3002,7 +3126,7 @@
           <a:p>
             <a:fld id="{3372BB4F-0E8D-4BE5-A3CF-D81A39B506F9}" type="datetimeFigureOut">
               <a:rPr lang="en-CA" smtClean="0"/>
-              <a:t>2020-11-06</a:t>
+              <a:t>2020-11-07</a:t>
             </a:fld>
             <a:endParaRPr lang="en-CA"/>
           </a:p>
@@ -3683,7 +3807,7 @@
           <a:p>
             <a:fld id="{3372BB4F-0E8D-4BE5-A3CF-D81A39B506F9}" type="datetimeFigureOut">
               <a:rPr lang="en-CA" smtClean="0"/>
-              <a:t>2020-11-06</a:t>
+              <a:t>2020-11-07</a:t>
             </a:fld>
             <a:endParaRPr lang="en-CA"/>
           </a:p>
@@ -4596,7 +4720,7 @@
           <a:p>
             <a:fld id="{3372BB4F-0E8D-4BE5-A3CF-D81A39B506F9}" type="datetimeFigureOut">
               <a:rPr lang="en-CA" smtClean="0"/>
-              <a:t>2020-11-06</a:t>
+              <a:t>2020-11-07</a:t>
             </a:fld>
             <a:endParaRPr lang="en-CA"/>
           </a:p>
@@ -4909,7 +5033,7 @@
           <a:p>
             <a:fld id="{3372BB4F-0E8D-4BE5-A3CF-D81A39B506F9}" type="datetimeFigureOut">
               <a:rPr lang="en-CA" smtClean="0"/>
-              <a:t>2020-11-06</a:t>
+              <a:t>2020-11-07</a:t>
             </a:fld>
             <a:endParaRPr lang="en-CA"/>
           </a:p>
@@ -5173,7 +5297,7 @@
           <a:p>
             <a:fld id="{3372BB4F-0E8D-4BE5-A3CF-D81A39B506F9}" type="datetimeFigureOut">
               <a:rPr lang="en-CA" smtClean="0"/>
-              <a:t>2020-11-06</a:t>
+              <a:t>2020-11-07</a:t>
             </a:fld>
             <a:endParaRPr lang="en-CA"/>
           </a:p>
@@ -5496,7 +5620,7 @@
           <a:p>
             <a:fld id="{3372BB4F-0E8D-4BE5-A3CF-D81A39B506F9}" type="datetimeFigureOut">
               <a:rPr lang="en-CA" smtClean="0"/>
-              <a:t>2020-11-06</a:t>
+              <a:t>2020-11-07</a:t>
             </a:fld>
             <a:endParaRPr lang="en-CA"/>
           </a:p>
@@ -5885,7 +6009,7 @@
           <a:p>
             <a:fld id="{3372BB4F-0E8D-4BE5-A3CF-D81A39B506F9}" type="datetimeFigureOut">
               <a:rPr lang="en-CA" smtClean="0"/>
-              <a:t>2020-11-06</a:t>
+              <a:t>2020-11-07</a:t>
             </a:fld>
             <a:endParaRPr lang="en-CA"/>
           </a:p>
@@ -6261,7 +6385,7 @@
           <a:p>
             <a:fld id="{3372BB4F-0E8D-4BE5-A3CF-D81A39B506F9}" type="datetimeFigureOut">
               <a:rPr lang="en-CA" smtClean="0"/>
-              <a:t>2020-11-06</a:t>
+              <a:t>2020-11-07</a:t>
             </a:fld>
             <a:endParaRPr lang="en-CA"/>
           </a:p>
@@ -6767,7 +6891,7 @@
           <a:p>
             <a:fld id="{3372BB4F-0E8D-4BE5-A3CF-D81A39B506F9}" type="datetimeFigureOut">
               <a:rPr lang="en-CA" smtClean="0"/>
-              <a:t>2020-11-06</a:t>
+              <a:t>2020-11-07</a:t>
             </a:fld>
             <a:endParaRPr lang="en-CA"/>
           </a:p>
@@ -7024,7 +7148,7 @@
           <a:p>
             <a:fld id="{3372BB4F-0E8D-4BE5-A3CF-D81A39B506F9}" type="datetimeFigureOut">
               <a:rPr lang="en-CA" smtClean="0"/>
-              <a:t>2020-11-06</a:t>
+              <a:t>2020-11-07</a:t>
             </a:fld>
             <a:endParaRPr lang="en-CA"/>
           </a:p>
@@ -7187,7 +7311,7 @@
           <a:p>
             <a:fld id="{3372BB4F-0E8D-4BE5-A3CF-D81A39B506F9}" type="datetimeFigureOut">
               <a:rPr lang="en-CA" smtClean="0"/>
-              <a:t>2020-11-06</a:t>
+              <a:t>2020-11-07</a:t>
             </a:fld>
             <a:endParaRPr lang="en-CA"/>
           </a:p>
@@ -7577,7 +7701,7 @@
           <a:p>
             <a:fld id="{3372BB4F-0E8D-4BE5-A3CF-D81A39B506F9}" type="datetimeFigureOut">
               <a:rPr lang="en-CA" smtClean="0"/>
-              <a:t>2020-11-06</a:t>
+              <a:t>2020-11-07</a:t>
             </a:fld>
             <a:endParaRPr lang="en-CA"/>
           </a:p>
@@ -7986,7 +8110,7 @@
           <a:p>
             <a:fld id="{3372BB4F-0E8D-4BE5-A3CF-D81A39B506F9}" type="datetimeFigureOut">
               <a:rPr lang="en-CA" smtClean="0"/>
-              <a:t>2020-11-06</a:t>
+              <a:t>2020-11-07</a:t>
             </a:fld>
             <a:endParaRPr lang="en-CA"/>
           </a:p>
@@ -8230,7 +8354,7 @@
           <a:p>
             <a:fld id="{3372BB4F-0E8D-4BE5-A3CF-D81A39B506F9}" type="datetimeFigureOut">
               <a:rPr lang="en-CA" smtClean="0"/>
-              <a:t>2020-11-06</a:t>
+              <a:t>2020-11-07</a:t>
             </a:fld>
             <a:endParaRPr lang="en-CA"/>
           </a:p>
@@ -8922,7 +9046,7 @@
             </a:r>
             <a:r>
               <a:rPr lang="en-CA" dirty="0">
-                <a:hlinkClick r:id="rId2"/>
+                <a:hlinkClick r:id="rId3"/>
               </a:rPr>
               <a:t>IMDb</a:t>
             </a:r>
@@ -8954,7 +9078,7 @@
           <p:nvPr/>
         </p:nvPicPr>
         <p:blipFill rotWithShape="1">
-          <a:blip r:embed="rId3">
+          <a:blip r:embed="rId4">
             <a:extLst>
               <a:ext uri="{28A0092B-C50C-407E-A947-70E740481C1C}">
                 <a14:useLocalDpi xmlns:a14="http://schemas.microsoft.com/office/drawing/2010/main" val="0"/>
@@ -9564,11 +9688,13 @@
         <p:spPr>
           <a:xfrm>
             <a:off x="6475015" y="3108960"/>
-            <a:ext cx="5335440" cy="2160709"/>
-          </a:xfrm>
-        </p:spPr>
-        <p:txBody>
-          <a:bodyPr/>
+            <a:ext cx="5335440" cy="2443541"/>
+          </a:xfrm>
+        </p:spPr>
+        <p:txBody>
+          <a:bodyPr>
+            <a:normAutofit/>
+          </a:bodyPr>
           <a:lstStyle/>
           <a:p>
             <a:r>
@@ -9579,7 +9705,7 @@
           <a:p>
             <a:r>
               <a:rPr lang="en-CA" dirty="0"/>
-              <a:t>The database has ~451,100 movies and the size of them is 526.1 MB.</a:t>
+              <a:t>The database has ~451,000 movies and the size of them is 526.1 MB in total.</a:t>
             </a:r>
           </a:p>
           <a:p>
@@ -9846,7 +9972,7 @@
           <a:p>
             <a:r>
               <a:rPr lang="en-US" altLang="zh-CN" dirty="0"/>
-              <a:t>How did we create such </a:t>
+              <a:t>How we created such </a:t>
             </a:r>
             <a:r>
               <a:rPr lang="en-US" altLang="zh-CN" i="1" dirty="0"/>
@@ -9878,8 +10004,8 @@
         </p:nvSpPr>
         <p:spPr>
           <a:xfrm>
-            <a:off x="7253826" y="2900854"/>
-            <a:ext cx="4854091" cy="2448911"/>
+            <a:off x="7143808" y="3050629"/>
+            <a:ext cx="4946954" cy="2530462"/>
           </a:xfrm>
         </p:spPr>
         <p:txBody>
@@ -9896,7 +10022,7 @@
             </a:r>
             <a:r>
               <a:rPr lang="en-CA" dirty="0"/>
-              <a:t> libraries/packages, we construct such informative graph showing the relationships within the database.</a:t>
+              <a:t> libraries/packages, we construct such informative graph showing the relationships between the data in the database.</a:t>
             </a:r>
           </a:p>
         </p:txBody>
